--- a/ppt/Java core - Lecture 8 - Collection,Generic.pptx
+++ b/ppt/Java core - Lecture 8 - Collection,Generic.pptx
@@ -12026,14 +12026,14 @@
               <a:buNone/>
             </a:pPr>
             <a:r>
-              <a:rPr lang="en">
+              <a:rPr lang="en" dirty="0">
                 <a:solidFill>
                   <a:schemeClr val="lt1"/>
                 </a:solidFill>
               </a:rPr>
               <a:t>Collection</a:t>
             </a:r>
-            <a:endParaRPr>
+            <a:endParaRPr dirty="0">
               <a:solidFill>
                 <a:srgbClr val="FFFFFF"/>
               </a:solidFill>
@@ -13150,7 +13150,7 @@
               <a:buNone/>
             </a:pPr>
             <a:r>
-              <a:rPr lang="en" sz="1200">
+              <a:rPr lang="en" sz="1200" dirty="0">
                 <a:solidFill>
                   <a:schemeClr val="dk1"/>
                 </a:solidFill>
@@ -13161,7 +13161,7 @@
               <a:t>ArrayList&lt;Integer&gt; arrayList = </a:t>
             </a:r>
             <a:r>
-              <a:rPr lang="en" sz="1200" b="1">
+              <a:rPr lang="en" sz="1200" b="1" dirty="0">
                 <a:solidFill>
                   <a:srgbClr val="000080"/>
                 </a:solidFill>
@@ -13172,7 +13172,7 @@
               <a:t>new </a:t>
             </a:r>
             <a:r>
-              <a:rPr lang="en" sz="1200">
+              <a:rPr lang="en" sz="1200" dirty="0">
                 <a:solidFill>
                   <a:schemeClr val="dk1"/>
                 </a:solidFill>
@@ -13182,7 +13182,7 @@
               </a:rPr>
               <a:t>ArrayList&lt;&gt;();</a:t>
             </a:r>
-            <a:endParaRPr sz="1200">
+            <a:endParaRPr sz="1200" dirty="0">
               <a:solidFill>
                 <a:schemeClr val="dk1"/>
               </a:solidFill>
@@ -13205,7 +13205,7 @@
               <a:buNone/>
             </a:pPr>
             <a:r>
-              <a:rPr lang="en" sz="1200">
+              <a:rPr lang="en" sz="1200" dirty="0">
                 <a:solidFill>
                   <a:schemeClr val="dk1"/>
                 </a:solidFill>
@@ -13216,7 +13216,7 @@
               <a:t>arrayList.add(</a:t>
             </a:r>
             <a:r>
-              <a:rPr lang="en" sz="1200">
+              <a:rPr lang="en" sz="1200" dirty="0">
                 <a:solidFill>
                   <a:srgbClr val="0000FF"/>
                 </a:solidFill>
@@ -13227,7 +13227,7 @@
               <a:t>2</a:t>
             </a:r>
             <a:r>
-              <a:rPr lang="en" sz="1200">
+              <a:rPr lang="en" sz="1200" dirty="0">
                 <a:solidFill>
                   <a:schemeClr val="dk1"/>
                 </a:solidFill>
@@ -13237,7 +13237,7 @@
               </a:rPr>
               <a:t>);</a:t>
             </a:r>
-            <a:endParaRPr sz="1200">
+            <a:endParaRPr sz="1200" dirty="0">
               <a:solidFill>
                 <a:schemeClr val="dk1"/>
               </a:solidFill>
@@ -13260,7 +13260,7 @@
               <a:buNone/>
             </a:pPr>
             <a:r>
-              <a:rPr lang="en" sz="1200">
+              <a:rPr lang="en" sz="1200" dirty="0">
                 <a:solidFill>
                   <a:schemeClr val="dk1"/>
                 </a:solidFill>
@@ -13271,7 +13271,7 @@
               <a:t>arrayList.add(</a:t>
             </a:r>
             <a:r>
-              <a:rPr lang="en" sz="1200">
+              <a:rPr lang="en" sz="1200" dirty="0">
                 <a:solidFill>
                   <a:srgbClr val="0000FF"/>
                 </a:solidFill>
@@ -13282,7 +13282,7 @@
               <a:t>3</a:t>
             </a:r>
             <a:r>
-              <a:rPr lang="en" sz="1200">
+              <a:rPr lang="en" sz="1200" dirty="0">
                 <a:solidFill>
                   <a:schemeClr val="dk1"/>
                 </a:solidFill>
@@ -13292,7 +13292,7 @@
               </a:rPr>
               <a:t>);</a:t>
             </a:r>
-            <a:endParaRPr sz="1200">
+            <a:endParaRPr sz="1200" dirty="0">
               <a:solidFill>
                 <a:schemeClr val="dk1"/>
               </a:solidFill>
@@ -13315,7 +13315,7 @@
               <a:buNone/>
             </a:pPr>
             <a:r>
-              <a:rPr lang="en" sz="1200">
+              <a:rPr lang="en" sz="1200" dirty="0">
                 <a:solidFill>
                   <a:schemeClr val="dk1"/>
                 </a:solidFill>
@@ -13326,7 +13326,7 @@
               <a:t>arrayList.add(</a:t>
             </a:r>
             <a:r>
-              <a:rPr lang="en" sz="1200">
+              <a:rPr lang="en" sz="1200" dirty="0">
                 <a:solidFill>
                   <a:srgbClr val="0000FF"/>
                 </a:solidFill>
@@ -13337,7 +13337,7 @@
               <a:t>7</a:t>
             </a:r>
             <a:r>
-              <a:rPr lang="en" sz="1200">
+              <a:rPr lang="en" sz="1200" dirty="0">
                 <a:solidFill>
                   <a:schemeClr val="dk1"/>
                 </a:solidFill>
@@ -13347,7 +13347,7 @@
               </a:rPr>
               <a:t>);</a:t>
             </a:r>
-            <a:endParaRPr sz="1200">
+            <a:endParaRPr sz="1200" dirty="0">
               <a:solidFill>
                 <a:schemeClr val="dk1"/>
               </a:solidFill>
@@ -13369,7 +13369,7 @@
               </a:spcAft>
               <a:buNone/>
             </a:pPr>
-            <a:endParaRPr sz="1200">
+            <a:endParaRPr sz="1200" dirty="0">
               <a:solidFill>
                 <a:schemeClr val="dk1"/>
               </a:solidFill>
@@ -13392,7 +13392,7 @@
               <a:buNone/>
             </a:pPr>
             <a:r>
-              <a:rPr lang="en" sz="1200">
+              <a:rPr lang="en" sz="1200" dirty="0">
                 <a:solidFill>
                   <a:schemeClr val="dk1"/>
                 </a:solidFill>
@@ -13403,7 +13403,7 @@
               <a:t>arrayList.add(</a:t>
             </a:r>
             <a:r>
-              <a:rPr lang="en" sz="1200">
+              <a:rPr lang="en" sz="1200" dirty="0">
                 <a:solidFill>
                   <a:srgbClr val="0000FF"/>
                 </a:solidFill>
@@ -13414,7 +13414,7 @@
               <a:t>5</a:t>
             </a:r>
             <a:r>
-              <a:rPr lang="en" sz="1200">
+              <a:rPr lang="en" sz="1200" dirty="0">
                 <a:solidFill>
                   <a:schemeClr val="dk1"/>
                 </a:solidFill>
@@ -13424,7 +13424,7 @@
               </a:rPr>
               <a:t>);</a:t>
             </a:r>
-            <a:endParaRPr sz="1200">
+            <a:endParaRPr sz="1200" dirty="0">
               <a:solidFill>
                 <a:schemeClr val="dk1"/>
               </a:solidFill>
@@ -13446,7 +13446,7 @@
               </a:spcAft>
               <a:buNone/>
             </a:pPr>
-            <a:endParaRPr sz="1200">
+            <a:endParaRPr sz="1200" dirty="0">
               <a:solidFill>
                 <a:schemeClr val="dk1"/>
               </a:solidFill>
@@ -13469,7 +13469,7 @@
               <a:buNone/>
             </a:pPr>
             <a:r>
-              <a:rPr lang="en" sz="1200">
+              <a:rPr lang="en" sz="1200" dirty="0">
                 <a:solidFill>
                   <a:schemeClr val="dk1"/>
                 </a:solidFill>
@@ -13480,7 +13480,7 @@
               <a:t>System.</a:t>
             </a:r>
             <a:r>
-              <a:rPr lang="en" sz="1200" b="1" i="1">
+              <a:rPr lang="en" sz="1200" b="1" i="1" dirty="0">
                 <a:solidFill>
                   <a:srgbClr val="660E7A"/>
                 </a:solidFill>
@@ -13491,7 +13491,7 @@
               <a:t>out</a:t>
             </a:r>
             <a:r>
-              <a:rPr lang="en" sz="1200">
+              <a:rPr lang="en" sz="1200" dirty="0">
                 <a:solidFill>
                   <a:schemeClr val="dk1"/>
                 </a:solidFill>
@@ -13501,7 +13501,7 @@
               </a:rPr>
               <a:t>.println(arrayList);</a:t>
             </a:r>
-            <a:endParaRPr sz="1200">
+            <a:endParaRPr sz="1200" dirty="0">
               <a:solidFill>
                 <a:schemeClr val="dk1"/>
               </a:solidFill>
@@ -13523,7 +13523,7 @@
               </a:spcAft>
               <a:buNone/>
             </a:pPr>
-            <a:endParaRPr sz="1200">
+            <a:endParaRPr sz="1200" dirty="0">
               <a:solidFill>
                 <a:schemeClr val="dk1"/>
               </a:solidFill>
@@ -13546,7 +13546,7 @@
               <a:buNone/>
             </a:pPr>
             <a:r>
-              <a:rPr lang="en" sz="1200">
+              <a:rPr lang="en" sz="1200" dirty="0">
                 <a:solidFill>
                   <a:schemeClr val="dk1"/>
                 </a:solidFill>
@@ -13557,7 +13557,7 @@
               <a:t>arrayList.remove(</a:t>
             </a:r>
             <a:r>
-              <a:rPr lang="en" sz="1200">
+              <a:rPr lang="en" sz="1200" dirty="0">
                 <a:solidFill>
                   <a:srgbClr val="0000FF"/>
                 </a:solidFill>
@@ -13568,7 +13568,7 @@
               <a:t>1</a:t>
             </a:r>
             <a:r>
-              <a:rPr lang="en" sz="1200">
+              <a:rPr lang="en" sz="1200" dirty="0">
                 <a:solidFill>
                   <a:schemeClr val="dk1"/>
                 </a:solidFill>
@@ -13578,7 +13578,7 @@
               </a:rPr>
               <a:t>);</a:t>
             </a:r>
-            <a:endParaRPr sz="1200">
+            <a:endParaRPr sz="1200" dirty="0">
               <a:solidFill>
                 <a:schemeClr val="dk1"/>
               </a:solidFill>
@@ -13600,7 +13600,7 @@
               </a:spcAft>
               <a:buNone/>
             </a:pPr>
-            <a:endParaRPr sz="1200">
+            <a:endParaRPr sz="1200" dirty="0">
               <a:solidFill>
                 <a:schemeClr val="dk1"/>
               </a:solidFill>
@@ -13623,7 +13623,7 @@
               <a:buNone/>
             </a:pPr>
             <a:r>
-              <a:rPr lang="en" sz="1200">
+              <a:rPr lang="en" sz="1200" dirty="0">
                 <a:solidFill>
                   <a:schemeClr val="dk1"/>
                 </a:solidFill>
@@ -13634,7 +13634,7 @@
               <a:t>System.</a:t>
             </a:r>
             <a:r>
-              <a:rPr lang="en" sz="1200" b="1" i="1">
+              <a:rPr lang="en" sz="1200" b="1" i="1" dirty="0">
                 <a:solidFill>
                   <a:srgbClr val="660E7A"/>
                 </a:solidFill>
@@ -13645,7 +13645,7 @@
               <a:t>out</a:t>
             </a:r>
             <a:r>
-              <a:rPr lang="en" sz="1200">
+              <a:rPr lang="en" sz="1200" dirty="0">
                 <a:solidFill>
                   <a:schemeClr val="dk1"/>
                 </a:solidFill>
@@ -13655,7 +13655,7 @@
               </a:rPr>
               <a:t>.println(arrayList);</a:t>
             </a:r>
-            <a:endParaRPr sz="1200">
+            <a:endParaRPr sz="1200" dirty="0">
               <a:solidFill>
                 <a:schemeClr val="dk1"/>
               </a:solidFill>
@@ -13677,7 +13677,7 @@
               </a:spcAft>
               <a:buNone/>
             </a:pPr>
-            <a:endParaRPr sz="1200">
+            <a:endParaRPr sz="1200" dirty="0">
               <a:solidFill>
                 <a:schemeClr val="dk1"/>
               </a:solidFill>
@@ -13700,7 +13700,7 @@
               <a:buNone/>
             </a:pPr>
             <a:r>
-              <a:rPr lang="en" sz="1200" b="1">
+              <a:rPr lang="en" sz="1200" b="1" dirty="0">
                 <a:solidFill>
                   <a:srgbClr val="000080"/>
                 </a:solidFill>
@@ -13711,7 +13711,7 @@
               <a:t>int </a:t>
             </a:r>
             <a:r>
-              <a:rPr lang="en" sz="1200">
+              <a:rPr lang="en" sz="1200" dirty="0">
                 <a:solidFill>
                   <a:schemeClr val="dk1"/>
                 </a:solidFill>
@@ -13722,7 +13722,7 @@
               <a:t>x = arrayList.get(</a:t>
             </a:r>
             <a:r>
-              <a:rPr lang="en" sz="1200">
+              <a:rPr lang="en" sz="1200" dirty="0">
                 <a:solidFill>
                   <a:srgbClr val="0000FF"/>
                 </a:solidFill>
@@ -13733,7 +13733,7 @@
               <a:t>1</a:t>
             </a:r>
             <a:r>
-              <a:rPr lang="en" sz="1200">
+              <a:rPr lang="en" sz="1200" dirty="0">
                 <a:solidFill>
                   <a:schemeClr val="dk1"/>
                 </a:solidFill>
@@ -13743,7 +13743,7 @@
               </a:rPr>
               <a:t>);</a:t>
             </a:r>
-            <a:endParaRPr sz="1200">
+            <a:endParaRPr sz="1200" dirty="0">
               <a:solidFill>
                 <a:schemeClr val="dk1"/>
               </a:solidFill>
@@ -13766,7 +13766,7 @@
               <a:buNone/>
             </a:pPr>
             <a:r>
-              <a:rPr lang="en" sz="1200">
+              <a:rPr lang="en" sz="1200" dirty="0">
                 <a:solidFill>
                   <a:schemeClr val="dk1"/>
                 </a:solidFill>
@@ -13777,7 +13777,7 @@
               <a:t>System.</a:t>
             </a:r>
             <a:r>
-              <a:rPr lang="en" sz="1200" b="1" i="1">
+              <a:rPr lang="en" sz="1200" b="1" i="1" dirty="0">
                 <a:solidFill>
                   <a:srgbClr val="660E7A"/>
                 </a:solidFill>
@@ -13788,7 +13788,7 @@
               <a:t>out</a:t>
             </a:r>
             <a:r>
-              <a:rPr lang="en" sz="1200">
+              <a:rPr lang="en" sz="1200" dirty="0">
                 <a:solidFill>
                   <a:schemeClr val="dk1"/>
                 </a:solidFill>
@@ -13798,7 +13798,7 @@
               </a:rPr>
               <a:t>.println(x);</a:t>
             </a:r>
-            <a:endParaRPr sz="1200">
+            <a:endParaRPr sz="1200" dirty="0">
               <a:solidFill>
                 <a:schemeClr val="dk1"/>
               </a:solidFill>
@@ -15118,14 +15118,14 @@
               <a:buChar char="●"/>
             </a:pPr>
             <a:r>
-              <a:rPr lang="en">
+              <a:rPr lang="en" dirty="0">
                 <a:solidFill>
                   <a:srgbClr val="2876C9"/>
                 </a:solidFill>
               </a:rPr>
               <a:t>Doubly Linked List</a:t>
             </a:r>
-            <a:endParaRPr>
+            <a:endParaRPr dirty="0">
               <a:solidFill>
                 <a:srgbClr val="2876C9"/>
               </a:solidFill>
@@ -15538,10 +15538,10 @@
                         <a:buNone/>
                       </a:pPr>
                       <a:r>
-                        <a:rPr lang="en"/>
+                        <a:rPr lang="en" dirty="0"/>
                         <a:t>ArrayList</a:t>
                       </a:r>
-                      <a:endParaRPr/>
+                      <a:endParaRPr dirty="0"/>
                     </a:p>
                   </a:txBody>
                   <a:tcPr marL="91425" marR="91425" marT="91425" marB="91425"/>
@@ -15561,10 +15561,10 @@
                         <a:buNone/>
                       </a:pPr>
                       <a:r>
-                        <a:rPr lang="en"/>
+                        <a:rPr lang="en" dirty="0"/>
                         <a:t>LinkedList</a:t>
                       </a:r>
-                      <a:endParaRPr/>
+                      <a:endParaRPr dirty="0"/>
                     </a:p>
                   </a:txBody>
                   <a:tcPr marL="91425" marR="91425" marT="91425" marB="91425"/>
@@ -15623,7 +15623,7 @@
                         <a:buNone/>
                       </a:pPr>
                       <a:r>
-                        <a:rPr lang="en" sz="1200">
+                        <a:rPr lang="en" sz="1200" dirty="0">
                           <a:solidFill>
                             <a:srgbClr val="2876C9"/>
                           </a:solidFill>
@@ -15631,7 +15631,7 @@
                         <a:t>sử dụng </a:t>
                       </a:r>
                       <a:r>
-                        <a:rPr lang="en" sz="1200" b="1">
+                        <a:rPr lang="en" sz="1200" b="1" dirty="0">
                           <a:solidFill>
                             <a:srgbClr val="2876C9"/>
                           </a:solidFill>
@@ -15639,14 +15639,14 @@
                         <a:t>mảng động </a:t>
                       </a:r>
                       <a:r>
-                        <a:rPr lang="en" sz="1200">
+                        <a:rPr lang="en" sz="1200" dirty="0">
                           <a:solidFill>
                             <a:srgbClr val="2876C9"/>
                           </a:solidFill>
                         </a:rPr>
                         <a:t>để lưu trữ các phần tử.</a:t>
                       </a:r>
-                      <a:endParaRPr sz="1200">
+                      <a:endParaRPr sz="1200" dirty="0">
                         <a:solidFill>
                           <a:srgbClr val="2876C9"/>
                         </a:solidFill>
@@ -15673,7 +15673,7 @@
                         <a:buNone/>
                       </a:pPr>
                       <a:r>
-                        <a:rPr lang="en" sz="1200">
+                        <a:rPr lang="en" sz="1200" dirty="0">
                           <a:solidFill>
                             <a:srgbClr val="2876C9"/>
                           </a:solidFill>
@@ -15681,7 +15681,7 @@
                         <a:t>sử dụng </a:t>
                       </a:r>
                       <a:r>
-                        <a:rPr lang="en" sz="1200" b="1">
+                        <a:rPr lang="en" sz="1200" b="1" dirty="0">
                           <a:solidFill>
                             <a:srgbClr val="2876C9"/>
                           </a:solidFill>
@@ -15689,14 +15689,14 @@
                         <a:t>danh sách liên kết (Doubly Linked List) </a:t>
                       </a:r>
                       <a:r>
-                        <a:rPr lang="en" sz="1200">
+                        <a:rPr lang="en" sz="1200" dirty="0">
                           <a:solidFill>
                             <a:srgbClr val="2876C9"/>
                           </a:solidFill>
                         </a:rPr>
                         <a:t>để lưu trữ các phần tử.</a:t>
                       </a:r>
-                      <a:endParaRPr sz="1200">
+                      <a:endParaRPr sz="1200" dirty="0">
                         <a:solidFill>
                           <a:srgbClr val="2876C9"/>
                         </a:solidFill>
@@ -15725,14 +15725,14 @@
                         <a:buNone/>
                       </a:pPr>
                       <a:r>
-                        <a:rPr lang="en" sz="1200">
+                        <a:rPr lang="en" sz="1200" dirty="0">
                           <a:solidFill>
                             <a:srgbClr val="434343"/>
                           </a:solidFill>
                         </a:rPr>
                         <a:t>Thao tác thêm và xóa</a:t>
                       </a:r>
-                      <a:endParaRPr sz="1200">
+                      <a:endParaRPr sz="1200" dirty="0">
                         <a:solidFill>
                           <a:srgbClr val="434343"/>
                         </a:solidFill>
@@ -15906,14 +15906,14 @@
                         <a:buNone/>
                       </a:pPr>
                       <a:r>
-                        <a:rPr lang="en" sz="1200">
+                        <a:rPr lang="en" sz="1200" dirty="0">
                           <a:solidFill>
                             <a:srgbClr val="2876C9"/>
                           </a:solidFill>
                         </a:rPr>
                         <a:t>Dựa trên chỉ mục index</a:t>
                       </a:r>
-                      <a:endParaRPr sz="1200">
+                      <a:endParaRPr sz="1200" dirty="0">
                         <a:solidFill>
                           <a:srgbClr val="2876C9"/>
                         </a:solidFill>
@@ -15940,14 +15940,14 @@
                         <a:buNone/>
                       </a:pPr>
                       <a:r>
-                        <a:rPr lang="en" sz="1200">
+                        <a:rPr lang="en" sz="1200" dirty="0">
                           <a:solidFill>
                             <a:srgbClr val="2876C9"/>
                           </a:solidFill>
                         </a:rPr>
                         <a:t>Phải duyệt qua lần lượt các phần tử từ đầu tiên cho đến cuối cùng</a:t>
                       </a:r>
-                      <a:endParaRPr sz="1200">
+                      <a:endParaRPr sz="1200" dirty="0">
                         <a:solidFill>
                           <a:srgbClr val="2876C9"/>
                         </a:solidFill>
@@ -16096,14 +16096,14 @@
                         <a:buNone/>
                       </a:pPr>
                       <a:r>
-                        <a:rPr lang="en" sz="1200">
+                        <a:rPr lang="en" sz="1200" dirty="0">
                           <a:solidFill>
                             <a:srgbClr val="434343"/>
                           </a:solidFill>
                         </a:rPr>
                         <a:t>Sử dụng bộ nhớ</a:t>
                       </a:r>
-                      <a:endParaRPr sz="1200">
+                      <a:endParaRPr sz="1200" dirty="0">
                         <a:solidFill>
                           <a:srgbClr val="434343"/>
                         </a:solidFill>
@@ -16130,14 +16130,14 @@
                         <a:buNone/>
                       </a:pPr>
                       <a:r>
-                        <a:rPr lang="en" sz="1200">
+                        <a:rPr lang="en" sz="1200" dirty="0">
                           <a:solidFill>
                             <a:srgbClr val="2876C9"/>
                           </a:solidFill>
                         </a:rPr>
                         <a:t>Ít</a:t>
                       </a:r>
-                      <a:endParaRPr sz="1200">
+                      <a:endParaRPr sz="1200" dirty="0">
                         <a:solidFill>
                           <a:srgbClr val="2876C9"/>
                         </a:solidFill>
@@ -16252,14 +16252,14 @@
               <a:buNone/>
             </a:pPr>
             <a:r>
-              <a:rPr lang="en">
+              <a:rPr lang="en" dirty="0">
                 <a:solidFill>
                   <a:schemeClr val="lt1"/>
                 </a:solidFill>
               </a:rPr>
               <a:t>Sets</a:t>
             </a:r>
-            <a:endParaRPr>
+            <a:endParaRPr dirty="0">
               <a:solidFill>
                 <a:srgbClr val="FFFFFF"/>
               </a:solidFill>
@@ -16379,14 +16379,14 @@
               <a:buChar char="●"/>
             </a:pPr>
             <a:r>
-              <a:rPr lang="en">
+              <a:rPr lang="en" dirty="0">
                 <a:solidFill>
                   <a:srgbClr val="2876C9"/>
                 </a:solidFill>
               </a:rPr>
               <a:t>Tập hợp các phần tử không trùng lặp</a:t>
             </a:r>
-            <a:endParaRPr>
+            <a:endParaRPr dirty="0">
               <a:solidFill>
                 <a:srgbClr val="2876C9"/>
               </a:solidFill>
@@ -16438,7 +16438,7 @@
               <a:buNone/>
             </a:pPr>
             <a:r>
-              <a:rPr lang="en" sz="1200" b="1">
+              <a:rPr lang="en" sz="1200" b="1" dirty="0">
                 <a:solidFill>
                   <a:srgbClr val="000080"/>
                 </a:solidFill>
@@ -16449,7 +16449,7 @@
               <a:t>public class </a:t>
             </a:r>
             <a:r>
-              <a:rPr lang="en" sz="1200">
+              <a:rPr lang="en" sz="1200" dirty="0">
                 <a:solidFill>
                   <a:schemeClr val="dk1"/>
                 </a:solidFill>
@@ -16459,7 +16459,7 @@
               </a:rPr>
               <a:t>SetExample {</a:t>
             </a:r>
-            <a:endParaRPr sz="1200">
+            <a:endParaRPr sz="1200" dirty="0">
               <a:solidFill>
                 <a:schemeClr val="dk1"/>
               </a:solidFill>
@@ -16482,7 +16482,7 @@
               <a:buNone/>
             </a:pPr>
             <a:r>
-              <a:rPr lang="en" sz="1200">
+              <a:rPr lang="en" sz="1200" dirty="0">
                 <a:solidFill>
                   <a:schemeClr val="dk1"/>
                 </a:solidFill>
@@ -16493,7 +16493,7 @@
               <a:t>   </a:t>
             </a:r>
             <a:r>
-              <a:rPr lang="en" sz="1200" b="1">
+              <a:rPr lang="en" sz="1200" b="1" dirty="0">
                 <a:solidFill>
                   <a:srgbClr val="000080"/>
                 </a:solidFill>
@@ -16504,7 +16504,7 @@
               <a:t>public static void </a:t>
             </a:r>
             <a:r>
-              <a:rPr lang="en" sz="1200">
+              <a:rPr lang="en" sz="1200" dirty="0">
                 <a:solidFill>
                   <a:schemeClr val="dk1"/>
                 </a:solidFill>
@@ -16514,7 +16514,7 @@
               </a:rPr>
               <a:t>main(String[] args) {</a:t>
             </a:r>
-            <a:endParaRPr sz="1200">
+            <a:endParaRPr sz="1200" dirty="0">
               <a:solidFill>
                 <a:schemeClr val="dk1"/>
               </a:solidFill>
@@ -16537,7 +16537,7 @@
               <a:buNone/>
             </a:pPr>
             <a:r>
-              <a:rPr lang="en" sz="1200">
+              <a:rPr lang="en" sz="1200" dirty="0">
                 <a:solidFill>
                   <a:schemeClr val="dk1"/>
                 </a:solidFill>
@@ -16548,7 +16548,7 @@
               <a:t>       </a:t>
             </a:r>
             <a:r>
-              <a:rPr lang="en" sz="1200" i="1">
+              <a:rPr lang="en" sz="1200" i="1" dirty="0">
                 <a:solidFill>
                   <a:srgbClr val="808080"/>
                 </a:solidFill>
@@ -16558,7 +16558,7 @@
               </a:rPr>
               <a:t>// Create set</a:t>
             </a:r>
-            <a:endParaRPr sz="1200" i="1">
+            <a:endParaRPr sz="1200" i="1" dirty="0">
               <a:solidFill>
                 <a:srgbClr val="808080"/>
               </a:solidFill>
@@ -16581,7 +16581,7 @@
               <a:buNone/>
             </a:pPr>
             <a:r>
-              <a:rPr lang="en" sz="1200" i="1">
+              <a:rPr lang="en" sz="1200" i="1" dirty="0">
                 <a:solidFill>
                   <a:srgbClr val="808080"/>
                 </a:solidFill>
@@ -16592,7 +16592,7 @@
               <a:t>       </a:t>
             </a:r>
             <a:r>
-              <a:rPr lang="en" sz="1200">
+              <a:rPr lang="en" sz="1200" dirty="0">
                 <a:solidFill>
                   <a:schemeClr val="dk1"/>
                 </a:solidFill>
@@ -16603,7 +16603,7 @@
               <a:t>Set&lt;String&gt; items = </a:t>
             </a:r>
             <a:r>
-              <a:rPr lang="en" sz="1200" b="1">
+              <a:rPr lang="en" sz="1200" b="1" dirty="0">
                 <a:solidFill>
                   <a:srgbClr val="000080"/>
                 </a:solidFill>
@@ -16614,7 +16614,7 @@
               <a:t>new </a:t>
             </a:r>
             <a:r>
-              <a:rPr lang="en" sz="1200">
+              <a:rPr lang="en" sz="1200" dirty="0">
                 <a:solidFill>
                   <a:schemeClr val="dk1"/>
                 </a:solidFill>
@@ -16624,7 +16624,7 @@
               </a:rPr>
               <a:t>HashSet&lt;&gt;();</a:t>
             </a:r>
-            <a:endParaRPr sz="1200">
+            <a:endParaRPr sz="1200" dirty="0">
               <a:solidFill>
                 <a:schemeClr val="dk1"/>
               </a:solidFill>
@@ -16647,7 +16647,7 @@
               <a:buNone/>
             </a:pPr>
             <a:r>
-              <a:rPr lang="en" sz="1200">
+              <a:rPr lang="en" sz="1200" dirty="0">
                 <a:solidFill>
                   <a:schemeClr val="dk1"/>
                 </a:solidFill>
@@ -16658,7 +16658,7 @@
               <a:t>       items.add(</a:t>
             </a:r>
             <a:r>
-              <a:rPr lang="en" sz="1200" b="1">
+              <a:rPr lang="en" sz="1200" b="1" dirty="0">
                 <a:solidFill>
                   <a:srgbClr val="008000"/>
                 </a:solidFill>
@@ -16669,7 +16669,7 @@
               <a:t>"A02"</a:t>
             </a:r>
             <a:r>
-              <a:rPr lang="en" sz="1200">
+              <a:rPr lang="en" sz="1200" dirty="0">
                 <a:solidFill>
                   <a:schemeClr val="dk1"/>
                 </a:solidFill>
@@ -16680,7 +16680,7 @@
               <a:t>); </a:t>
             </a:r>
             <a:r>
-              <a:rPr lang="en" sz="1200" i="1">
+              <a:rPr lang="en" sz="1200" i="1" dirty="0">
                 <a:solidFill>
                   <a:srgbClr val="808080"/>
                 </a:solidFill>
@@ -16690,7 +16690,7 @@
               </a:rPr>
               <a:t>// Add new item</a:t>
             </a:r>
-            <a:endParaRPr sz="1200" i="1">
+            <a:endParaRPr sz="1200" i="1" dirty="0">
               <a:solidFill>
                 <a:srgbClr val="808080"/>
               </a:solidFill>
@@ -16713,7 +16713,7 @@
               <a:buNone/>
             </a:pPr>
             <a:r>
-              <a:rPr lang="en" sz="1200" i="1">
+              <a:rPr lang="en" sz="1200" i="1" dirty="0">
                 <a:solidFill>
                   <a:srgbClr val="808080"/>
                 </a:solidFill>
@@ -16724,7 +16724,7 @@
               <a:t>       </a:t>
             </a:r>
             <a:r>
-              <a:rPr lang="en" sz="1200">
+              <a:rPr lang="en" sz="1200" dirty="0">
                 <a:solidFill>
                   <a:schemeClr val="dk1"/>
                 </a:solidFill>
@@ -16735,7 +16735,7 @@
               <a:t>items.add(</a:t>
             </a:r>
             <a:r>
-              <a:rPr lang="en" sz="1200" b="1">
+              <a:rPr lang="en" sz="1200" b="1" dirty="0">
                 <a:solidFill>
                   <a:srgbClr val="008000"/>
                 </a:solidFill>
@@ -16746,7 +16746,7 @@
               <a:t>"D03"</a:t>
             </a:r>
             <a:r>
-              <a:rPr lang="en" sz="1200">
+              <a:rPr lang="en" sz="1200" dirty="0">
                 <a:solidFill>
                   <a:schemeClr val="dk1"/>
                 </a:solidFill>
@@ -16756,7 +16756,7 @@
               </a:rPr>
               <a:t>);</a:t>
             </a:r>
-            <a:endParaRPr sz="1200">
+            <a:endParaRPr sz="1200" dirty="0">
               <a:solidFill>
                 <a:schemeClr val="dk1"/>
               </a:solidFill>
@@ -16779,7 +16779,7 @@
               <a:buNone/>
             </a:pPr>
             <a:r>
-              <a:rPr lang="en" sz="1200">
+              <a:rPr lang="en" sz="1200" dirty="0">
                 <a:solidFill>
                   <a:schemeClr val="dk1"/>
                 </a:solidFill>
@@ -16790,7 +16790,7 @@
               <a:t>       items.add(</a:t>
             </a:r>
             <a:r>
-              <a:rPr lang="en" sz="1200" b="1">
+              <a:rPr lang="en" sz="1200" b="1" dirty="0">
                 <a:solidFill>
                   <a:srgbClr val="008000"/>
                 </a:solidFill>
@@ -16801,7 +16801,7 @@
               <a:t>"D03"</a:t>
             </a:r>
             <a:r>
-              <a:rPr lang="en" sz="1200">
+              <a:rPr lang="en" sz="1200" dirty="0">
                 <a:solidFill>
                   <a:schemeClr val="dk1"/>
                 </a:solidFill>
@@ -16812,7 +16812,7 @@
               <a:t>); </a:t>
             </a:r>
             <a:r>
-              <a:rPr lang="en" sz="1200" i="1">
+              <a:rPr lang="en" sz="1200" i="1" dirty="0">
                 <a:solidFill>
                   <a:srgbClr val="808080"/>
                 </a:solidFill>
@@ -16822,7 +16822,7 @@
               </a:rPr>
               <a:t>// item is ignored</a:t>
             </a:r>
-            <a:endParaRPr sz="1200" i="1">
+            <a:endParaRPr sz="1200" i="1" dirty="0">
               <a:solidFill>
                 <a:srgbClr val="808080"/>
               </a:solidFill>
@@ -16845,7 +16845,7 @@
               <a:buNone/>
             </a:pPr>
             <a:r>
-              <a:rPr lang="en" sz="1200" i="1">
+              <a:rPr lang="en" sz="1200" i="1" dirty="0">
                 <a:solidFill>
                   <a:srgbClr val="808080"/>
                 </a:solidFill>
@@ -16856,7 +16856,7 @@
               <a:t>       </a:t>
             </a:r>
             <a:r>
-              <a:rPr lang="en" sz="1200">
+              <a:rPr lang="en" sz="1200" dirty="0">
                 <a:solidFill>
                   <a:schemeClr val="dk1"/>
                 </a:solidFill>
@@ -16867,7 +16867,7 @@
               <a:t>items.add(</a:t>
             </a:r>
             <a:r>
-              <a:rPr lang="en" sz="1200" b="1">
+              <a:rPr lang="en" sz="1200" b="1" dirty="0">
                 <a:solidFill>
                   <a:srgbClr val="008000"/>
                 </a:solidFill>
@@ -16878,7 +16878,7 @@
               <a:t>"01"</a:t>
             </a:r>
             <a:r>
-              <a:rPr lang="en" sz="1200">
+              <a:rPr lang="en" sz="1200" dirty="0">
                 <a:solidFill>
                   <a:schemeClr val="dk1"/>
                 </a:solidFill>
@@ -16888,7 +16888,7 @@
               </a:rPr>
               <a:t>);</a:t>
             </a:r>
-            <a:endParaRPr sz="1200">
+            <a:endParaRPr sz="1200" dirty="0">
               <a:solidFill>
                 <a:schemeClr val="dk1"/>
               </a:solidFill>
@@ -16911,7 +16911,7 @@
               <a:buNone/>
             </a:pPr>
             <a:r>
-              <a:rPr lang="en" sz="1200">
+              <a:rPr lang="en" sz="1200" dirty="0">
                 <a:solidFill>
                   <a:schemeClr val="dk1"/>
                 </a:solidFill>
@@ -16922,7 +16922,7 @@
               <a:t>       items.add(</a:t>
             </a:r>
             <a:r>
-              <a:rPr lang="en" sz="1200" b="1">
+              <a:rPr lang="en" sz="1200" b="1" dirty="0">
                 <a:solidFill>
                   <a:srgbClr val="008000"/>
                 </a:solidFill>
@@ -16933,7 +16933,7 @@
               <a:t>"04"</a:t>
             </a:r>
             <a:r>
-              <a:rPr lang="en" sz="1200">
+              <a:rPr lang="en" sz="1200" dirty="0">
                 <a:solidFill>
                   <a:schemeClr val="dk1"/>
                 </a:solidFill>
@@ -16943,7 +16943,7 @@
               </a:rPr>
               <a:t>);</a:t>
             </a:r>
-            <a:endParaRPr sz="1200">
+            <a:endParaRPr sz="1200" dirty="0">
               <a:solidFill>
                 <a:schemeClr val="dk1"/>
               </a:solidFill>
@@ -16965,7 +16965,7 @@
               </a:spcAft>
               <a:buNone/>
             </a:pPr>
-            <a:endParaRPr sz="1200">
+            <a:endParaRPr sz="1200" dirty="0">
               <a:solidFill>
                 <a:schemeClr val="dk1"/>
               </a:solidFill>
@@ -16988,7 +16988,7 @@
               <a:buNone/>
             </a:pPr>
             <a:r>
-              <a:rPr lang="en" sz="1200">
+              <a:rPr lang="en" sz="1200" dirty="0">
                 <a:solidFill>
                   <a:schemeClr val="dk1"/>
                 </a:solidFill>
@@ -16999,7 +16999,7 @@
               <a:t>       </a:t>
             </a:r>
             <a:r>
-              <a:rPr lang="en" sz="1200" b="1">
+              <a:rPr lang="en" sz="1200" b="1" dirty="0">
                 <a:solidFill>
                   <a:srgbClr val="000080"/>
                 </a:solidFill>
@@ -17010,7 +17010,7 @@
               <a:t>for </a:t>
             </a:r>
             <a:r>
-              <a:rPr lang="en" sz="1200">
+              <a:rPr lang="en" sz="1200" dirty="0">
                 <a:solidFill>
                   <a:schemeClr val="dk1"/>
                 </a:solidFill>
@@ -17020,7 +17020,7 @@
               </a:rPr>
               <a:t>(String item: items) {</a:t>
             </a:r>
-            <a:endParaRPr sz="1200">
+            <a:endParaRPr sz="1200" dirty="0">
               <a:solidFill>
                 <a:schemeClr val="dk1"/>
               </a:solidFill>
@@ -17043,7 +17043,7 @@
               <a:buNone/>
             </a:pPr>
             <a:r>
-              <a:rPr lang="en" sz="1200">
+              <a:rPr lang="en" sz="1200" dirty="0">
                 <a:solidFill>
                   <a:schemeClr val="dk1"/>
                 </a:solidFill>
@@ -17054,7 +17054,7 @@
               <a:t>           System.</a:t>
             </a:r>
             <a:r>
-              <a:rPr lang="en" sz="1200" b="1" i="1">
+              <a:rPr lang="en" sz="1200" b="1" i="1" dirty="0">
                 <a:solidFill>
                   <a:srgbClr val="660E7A"/>
                 </a:solidFill>
@@ -17065,7 +17065,7 @@
               <a:t>out</a:t>
             </a:r>
             <a:r>
-              <a:rPr lang="en" sz="1200">
+              <a:rPr lang="en" sz="1200" dirty="0">
                 <a:solidFill>
                   <a:schemeClr val="dk1"/>
                 </a:solidFill>
@@ -17076,7 +17076,7 @@
               <a:t>.print(item + </a:t>
             </a:r>
             <a:r>
-              <a:rPr lang="en" sz="1200" b="1">
+              <a:rPr lang="en" sz="1200" b="1" dirty="0">
                 <a:solidFill>
                   <a:srgbClr val="008000"/>
                 </a:solidFill>
@@ -17087,7 +17087,7 @@
               <a:t>" "</a:t>
             </a:r>
             <a:r>
-              <a:rPr lang="en" sz="1200">
+              <a:rPr lang="en" sz="1200" dirty="0">
                 <a:solidFill>
                   <a:schemeClr val="dk1"/>
                 </a:solidFill>
@@ -17097,7 +17097,7 @@
               </a:rPr>
               <a:t>);</a:t>
             </a:r>
-            <a:endParaRPr sz="1200">
+            <a:endParaRPr sz="1200" dirty="0">
               <a:solidFill>
                 <a:schemeClr val="dk1"/>
               </a:solidFill>
@@ -17120,7 +17120,7 @@
               <a:buNone/>
             </a:pPr>
             <a:r>
-              <a:rPr lang="en" sz="1200">
+              <a:rPr lang="en" sz="1200" dirty="0">
                 <a:solidFill>
                   <a:schemeClr val="dk1"/>
                 </a:solidFill>
@@ -17130,7 +17130,7 @@
               </a:rPr>
               <a:t>       }</a:t>
             </a:r>
-            <a:endParaRPr sz="1200">
+            <a:endParaRPr sz="1200" dirty="0">
               <a:solidFill>
                 <a:schemeClr val="dk1"/>
               </a:solidFill>
@@ -17153,7 +17153,7 @@
               <a:buNone/>
             </a:pPr>
             <a:r>
-              <a:rPr lang="en" sz="1200">
+              <a:rPr lang="en" sz="1200" dirty="0">
                 <a:solidFill>
                   <a:schemeClr val="dk1"/>
                 </a:solidFill>
@@ -17163,7 +17163,7 @@
               </a:rPr>
               <a:t>   }</a:t>
             </a:r>
-            <a:endParaRPr sz="1200">
+            <a:endParaRPr sz="1200" dirty="0">
               <a:solidFill>
                 <a:schemeClr val="dk1"/>
               </a:solidFill>
@@ -17186,7 +17186,7 @@
               <a:buNone/>
             </a:pPr>
             <a:r>
-              <a:rPr lang="en" sz="1200">
+              <a:rPr lang="en" sz="1200" dirty="0">
                 <a:solidFill>
                   <a:schemeClr val="dk1"/>
                 </a:solidFill>
@@ -17196,7 +17196,7 @@
               </a:rPr>
               <a:t>}</a:t>
             </a:r>
-            <a:endParaRPr sz="1200">
+            <a:endParaRPr sz="1200" dirty="0">
               <a:solidFill>
                 <a:schemeClr val="dk1"/>
               </a:solidFill>
@@ -17218,7 +17218,7 @@
               </a:spcAft>
               <a:buNone/>
             </a:pPr>
-            <a:endParaRPr sz="1200" i="1">
+            <a:endParaRPr sz="1200" i="1" dirty="0">
               <a:solidFill>
                 <a:srgbClr val="808080"/>
               </a:solidFill>
@@ -17385,7 +17385,13 @@
         <p:nvGraphicFramePr>
           <p:cNvPr id="137" name="Google Shape;137;p20"/>
           <p:cNvGraphicFramePr/>
-          <p:nvPr/>
+          <p:nvPr>
+            <p:extLst>
+              <p:ext uri="{D42A27DB-BD31-4B8C-83A1-F6EECF244321}">
+                <p14:modId xmlns:p14="http://schemas.microsoft.com/office/powerpoint/2010/main" val="2008666870"/>
+              </p:ext>
+            </p:extLst>
+          </p:nvPr>
         </p:nvGraphicFramePr>
         <p:xfrm>
           <a:off x="780650" y="714400"/>
@@ -17421,10 +17427,10 @@
                         <a:buNone/>
                       </a:pPr>
                       <a:r>
-                        <a:rPr lang="en" sz="900" b="1"/>
+                        <a:rPr lang="en" sz="900" b="1" dirty="0"/>
                         <a:t>Phương thức</a:t>
                       </a:r>
-                      <a:endParaRPr sz="900" b="1"/>
+                      <a:endParaRPr sz="900" b="1" dirty="0"/>
                     </a:p>
                   </a:txBody>
                   <a:tcPr marL="47625" marR="47625" marT="47625" marB="47625" anchor="ctr">
@@ -17837,14 +17843,14 @@
                         <a:buNone/>
                       </a:pPr>
                       <a:r>
-                        <a:rPr lang="en" sz="900">
+                        <a:rPr lang="en" sz="900" dirty="0">
                           <a:solidFill>
                             <a:srgbClr val="333333"/>
                           </a:solidFill>
                         </a:rPr>
                         <a:t>public boolean remove(Object element)</a:t>
                       </a:r>
-                      <a:endParaRPr sz="900">
+                      <a:endParaRPr sz="900" dirty="0">
                         <a:solidFill>
                           <a:srgbClr val="333333"/>
                         </a:solidFill>
@@ -17981,14 +17987,14 @@
                         <a:buNone/>
                       </a:pPr>
                       <a:r>
-                        <a:rPr lang="en" sz="900">
+                        <a:rPr lang="en" sz="900" dirty="0">
                           <a:solidFill>
                             <a:srgbClr val="333333"/>
                           </a:solidFill>
                         </a:rPr>
                         <a:t>public boolean removeAll(Collection c)</a:t>
                       </a:r>
-                      <a:endParaRPr sz="900">
+                      <a:endParaRPr sz="900" dirty="0">
                         <a:solidFill>
                           <a:srgbClr val="333333"/>
                         </a:solidFill>
@@ -18125,14 +18131,14 @@
                         <a:buNone/>
                       </a:pPr>
                       <a:r>
-                        <a:rPr lang="en" sz="900">
+                        <a:rPr lang="en" sz="900" dirty="0">
                           <a:solidFill>
                             <a:srgbClr val="333333"/>
                           </a:solidFill>
                         </a:rPr>
                         <a:t>public int size()</a:t>
                       </a:r>
-                      <a:endParaRPr sz="900">
+                      <a:endParaRPr sz="900" dirty="0">
                         <a:solidFill>
                           <a:srgbClr val="333333"/>
                         </a:solidFill>
@@ -18269,14 +18275,14 @@
                         <a:buNone/>
                       </a:pPr>
                       <a:r>
-                        <a:rPr lang="en" sz="900">
+                        <a:rPr lang="en" sz="900" dirty="0">
                           <a:solidFill>
                             <a:srgbClr val="333333"/>
                           </a:solidFill>
                         </a:rPr>
                         <a:t>public boolean contains(Object element)</a:t>
                       </a:r>
-                      <a:endParaRPr sz="900">
+                      <a:endParaRPr sz="900" dirty="0">
                         <a:solidFill>
                           <a:srgbClr val="333333"/>
                         </a:solidFill>
@@ -18413,14 +18419,14 @@
                         <a:buNone/>
                       </a:pPr>
                       <a:r>
-                        <a:rPr lang="en" sz="900">
+                        <a:rPr lang="en" sz="900" dirty="0">
                           <a:solidFill>
                             <a:srgbClr val="333333"/>
                           </a:solidFill>
                         </a:rPr>
                         <a:t>public boolean containsAll(Collection c)</a:t>
                       </a:r>
-                      <a:endParaRPr sz="900">
+                      <a:endParaRPr sz="900" dirty="0">
                         <a:solidFill>
                           <a:srgbClr val="333333"/>
                         </a:solidFill>
@@ -18557,14 +18563,14 @@
                         <a:buNone/>
                       </a:pPr>
                       <a:r>
-                        <a:rPr lang="en" sz="900">
+                        <a:rPr lang="en" sz="900" dirty="0">
                           <a:solidFill>
                             <a:srgbClr val="333333"/>
                           </a:solidFill>
                         </a:rPr>
                         <a:t>public boolean isEmpty()</a:t>
                       </a:r>
-                      <a:endParaRPr sz="900">
+                      <a:endParaRPr sz="900" dirty="0">
                         <a:solidFill>
                           <a:srgbClr val="333333"/>
                         </a:solidFill>
@@ -18701,14 +18707,14 @@
                         <a:buNone/>
                       </a:pPr>
                       <a:r>
-                        <a:rPr lang="en" sz="900">
+                        <a:rPr lang="en" sz="900" dirty="0">
                           <a:solidFill>
                             <a:srgbClr val="333333"/>
                           </a:solidFill>
                         </a:rPr>
                         <a:t>public boolean equals(Object element)</a:t>
                       </a:r>
-                      <a:endParaRPr sz="900">
+                      <a:endParaRPr sz="900" dirty="0">
                         <a:solidFill>
                           <a:srgbClr val="333333"/>
                         </a:solidFill>
@@ -18772,14 +18778,30 @@
                         <a:buNone/>
                       </a:pPr>
                       <a:r>
+                        <a:rPr lang="en" sz="900" dirty="0">
+                          <a:solidFill>
+                            <a:srgbClr val="333333"/>
+                          </a:solidFill>
+                        </a:rPr>
+                        <a:t>So </a:t>
+                      </a:r>
+                      <a:r>
                         <a:rPr lang="en" sz="900">
                           <a:solidFill>
                             <a:srgbClr val="333333"/>
                           </a:solidFill>
                         </a:rPr>
-                        <a:t>So sanh 2 collection.</a:t>
+                        <a:t>sanh </a:t>
                       </a:r>
-                      <a:endParaRPr sz="900">
+                      <a:r>
+                        <a:rPr lang="en" sz="900" smtClean="0">
+                          <a:solidFill>
+                            <a:srgbClr val="333333"/>
+                          </a:solidFill>
+                        </a:rPr>
+                        <a:t>2object.</a:t>
+                      </a:r>
+                      <a:endParaRPr sz="900" dirty="0">
                         <a:solidFill>
                           <a:srgbClr val="333333"/>
                         </a:solidFill>
